--- a/修論/本文/figure/fig_2_1_broadcontact.pptx
+++ b/修論/本文/figure/fig_2_1_broadcontact.pptx
@@ -227,7 +227,7 @@
           <a:p>
             <a:fld id="{78E677E7-82C9-4938-9480-49B5B41335B9}" type="datetimeFigureOut">
               <a:rPr kumimoji="1" lang="ja-JP" altLang="en-US" smtClean="0"/>
-              <a:t>2018/12/28</a:t>
+              <a:t>2018/12/30</a:t>
             </a:fld>
             <a:endParaRPr kumimoji="1" lang="ja-JP" altLang="en-US"/>
           </a:p>
@@ -404,7 +404,7 @@
           <a:p>
             <a:fld id="{3446E738-F900-9D48-A133-DAC01D1B4E24}" type="datetimeFigureOut">
               <a:rPr kumimoji="1" lang="ja-JP" altLang="en-US" smtClean="0"/>
-              <a:t>2018/12/28</a:t>
+              <a:t>2018/12/30</a:t>
             </a:fld>
             <a:endParaRPr kumimoji="1" lang="ja-JP" altLang="en-US"/>
           </a:p>
@@ -959,7 +959,7 @@
           <a:p>
             <a:fld id="{10720FFB-8FD2-0244-8340-A53A1D78DF51}" type="datetime1">
               <a:rPr kumimoji="1" lang="ja-JP" altLang="en-US" smtClean="0"/>
-              <a:t>2018/12/28</a:t>
+              <a:t>2018/12/30</a:t>
             </a:fld>
             <a:endParaRPr kumimoji="1" lang="ja-JP" altLang="en-US"/>
           </a:p>
@@ -1168,7 +1168,7 @@
           <a:p>
             <a:fld id="{CE9D822C-DFC2-9543-907C-72EEC755F3F7}" type="datetime1">
               <a:rPr kumimoji="1" lang="ja-JP" altLang="en-US" smtClean="0"/>
-              <a:t>2018/12/28</a:t>
+              <a:t>2018/12/30</a:t>
             </a:fld>
             <a:endParaRPr kumimoji="1" lang="ja-JP" altLang="en-US"/>
           </a:p>
@@ -1387,7 +1387,7 @@
           <a:p>
             <a:fld id="{C1282F87-C729-5D48-A48C-1DB9AA85DB81}" type="datetime1">
               <a:rPr kumimoji="1" lang="ja-JP" altLang="en-US" smtClean="0"/>
-              <a:t>2018/12/28</a:t>
+              <a:t>2018/12/30</a:t>
             </a:fld>
             <a:endParaRPr kumimoji="1" lang="ja-JP" altLang="en-US"/>
           </a:p>
@@ -1596,7 +1596,7 @@
           <a:p>
             <a:fld id="{89A47EE3-A654-A443-B744-676F7DFE59F9}" type="datetime1">
               <a:rPr kumimoji="1" lang="ja-JP" altLang="en-US" smtClean="0"/>
-              <a:t>2018/12/28</a:t>
+              <a:t>2018/12/30</a:t>
             </a:fld>
             <a:endParaRPr kumimoji="1" lang="ja-JP" altLang="en-US"/>
           </a:p>
@@ -1926,7 +1926,7 @@
           <a:p>
             <a:fld id="{F2FBEC7A-1A8D-3D4F-B579-5908030A237A}" type="datetime1">
               <a:rPr kumimoji="1" lang="ja-JP" altLang="en-US" smtClean="0"/>
-              <a:t>2018/12/28</a:t>
+              <a:t>2018/12/30</a:t>
             </a:fld>
             <a:endParaRPr kumimoji="1" lang="ja-JP" altLang="en-US"/>
           </a:p>
@@ -2209,7 +2209,7 @@
           <a:p>
             <a:fld id="{6F8B8875-4412-2045-A219-43F832D95989}" type="datetime1">
               <a:rPr kumimoji="1" lang="ja-JP" altLang="en-US" smtClean="0"/>
-              <a:t>2018/12/28</a:t>
+              <a:t>2018/12/30</a:t>
             </a:fld>
             <a:endParaRPr kumimoji="1" lang="ja-JP" altLang="en-US"/>
           </a:p>
@@ -2709,7 +2709,7 @@
           <a:p>
             <a:fld id="{9759EF83-A7E8-ED4E-BE3B-B04F4CD47BBB}" type="datetime1">
               <a:rPr kumimoji="1" lang="ja-JP" altLang="en-US" smtClean="0"/>
-              <a:t>2018/12/28</a:t>
+              <a:t>2018/12/30</a:t>
             </a:fld>
             <a:endParaRPr kumimoji="1" lang="ja-JP" altLang="en-US"/>
           </a:p>
@@ -2854,7 +2854,7 @@
           <a:p>
             <a:fld id="{A39236DB-587D-5F41-B6B0-8726D9E83BFC}" type="datetime1">
               <a:rPr kumimoji="1" lang="ja-JP" altLang="en-US" smtClean="0"/>
-              <a:t>2018/12/28</a:t>
+              <a:t>2018/12/30</a:t>
             </a:fld>
             <a:endParaRPr kumimoji="1" lang="ja-JP" altLang="en-US"/>
           </a:p>
@@ -2971,7 +2971,7 @@
           <a:p>
             <a:fld id="{C55BB37D-AE48-DD40-8537-3AADCD4AD14E}" type="datetime1">
               <a:rPr kumimoji="1" lang="ja-JP" altLang="en-US" smtClean="0"/>
-              <a:t>2018/12/28</a:t>
+              <a:t>2018/12/30</a:t>
             </a:fld>
             <a:endParaRPr kumimoji="1" lang="ja-JP" altLang="en-US"/>
           </a:p>
@@ -3328,7 +3328,7 @@
           <a:p>
             <a:fld id="{044A9A96-A761-E544-A252-16B574CAA06A}" type="datetime1">
               <a:rPr kumimoji="1" lang="ja-JP" altLang="en-US" smtClean="0"/>
-              <a:t>2018/12/28</a:t>
+              <a:t>2018/12/30</a:t>
             </a:fld>
             <a:endParaRPr kumimoji="1" lang="ja-JP" altLang="en-US"/>
           </a:p>
@@ -3655,7 +3655,7 @@
           <a:p>
             <a:fld id="{3BF67472-26F2-1445-9318-605606D5DD2C}" type="datetime1">
               <a:rPr kumimoji="1" lang="ja-JP" altLang="en-US" smtClean="0"/>
-              <a:t>2018/12/28</a:t>
+              <a:t>2018/12/30</a:t>
             </a:fld>
             <a:endParaRPr kumimoji="1" lang="ja-JP" altLang="en-US"/>
           </a:p>
@@ -3907,7 +3907,7 @@
           <a:p>
             <a:fld id="{1C3C70B0-0559-0F4F-8048-C5720087C2AE}" type="datetime1">
               <a:rPr kumimoji="1" lang="ja-JP" altLang="en-US" smtClean="0"/>
-              <a:t>2018/12/28</a:t>
+              <a:t>2018/12/30</a:t>
             </a:fld>
             <a:endParaRPr kumimoji="1" lang="ja-JP" altLang="en-US"/>
           </a:p>
@@ -8498,10 +8498,7 @@
                     <a:lstStyle/>
                     <a:p>
                       <a:pPr algn="ctr"/>
-                      <a:r>
-                        <a:rPr kumimoji="1" lang="en-US" altLang="ja-JP" dirty="0"/>
-                        <a:t>Au</a:t>
-                      </a:r>
+                      <a:endParaRPr kumimoji="1" lang="en-US" altLang="ja-JP" dirty="0"/>
                     </a:p>
                   </p:txBody>
                 </p:sp>
@@ -8706,10 +8703,6 @@
                     <a:lstStyle/>
                     <a:p>
                       <a:pPr algn="ctr"/>
-                      <a:r>
-                        <a:rPr kumimoji="1" lang="en-US" altLang="ja-JP" sz="1100" dirty="0"/>
-                        <a:t>Au</a:t>
-                      </a:r>
                       <a:endParaRPr kumimoji="1" lang="ja-JP" altLang="en-US" sz="1100"/>
                     </a:p>
                   </p:txBody>
